--- a/Лекция 8 24_02_2021.pptx
+++ b/Лекция 8 24_02_2021.pptx
@@ -254,7 +254,7 @@
           <a:p>
             <a:fld id="{44DBC884-B382-4302-8488-D4E467EB670D}" type="datetimeFigureOut">
               <a:rPr lang="ru-RU" smtClean="0"/>
-              <a:t>11.01.2021</a:t>
+              <a:t>07.02.2021</a:t>
             </a:fld>
             <a:endParaRPr lang="ru-RU" dirty="0"/>
           </a:p>
@@ -1214,7 +1214,7 @@
           <a:p>
             <a:fld id="{9F4DF3D0-C105-404D-A43B-7CBA1B97B744}" type="datetimeFigureOut">
               <a:rPr lang="ru-RU" smtClean="0"/>
-              <a:t>11.01.2021</a:t>
+              <a:t>07.02.2021</a:t>
             </a:fld>
             <a:endParaRPr lang="ru-RU" dirty="0"/>
           </a:p>
@@ -1384,7 +1384,7 @@
           <a:p>
             <a:fld id="{9F4DF3D0-C105-404D-A43B-7CBA1B97B744}" type="datetimeFigureOut">
               <a:rPr lang="ru-RU" smtClean="0"/>
-              <a:t>11.01.2021</a:t>
+              <a:t>07.02.2021</a:t>
             </a:fld>
             <a:endParaRPr lang="ru-RU" dirty="0"/>
           </a:p>
@@ -1564,7 +1564,7 @@
           <a:p>
             <a:fld id="{9F4DF3D0-C105-404D-A43B-7CBA1B97B744}" type="datetimeFigureOut">
               <a:rPr lang="ru-RU" smtClean="0"/>
-              <a:t>11.01.2021</a:t>
+              <a:t>07.02.2021</a:t>
             </a:fld>
             <a:endParaRPr lang="ru-RU" dirty="0"/>
           </a:p>
@@ -1734,7 +1734,7 @@
           <a:p>
             <a:fld id="{9F4DF3D0-C105-404D-A43B-7CBA1B97B744}" type="datetimeFigureOut">
               <a:rPr lang="ru-RU" smtClean="0"/>
-              <a:t>11.01.2021</a:t>
+              <a:t>07.02.2021</a:t>
             </a:fld>
             <a:endParaRPr lang="ru-RU" dirty="0"/>
           </a:p>
@@ -1980,7 +1980,7 @@
           <a:p>
             <a:fld id="{9F4DF3D0-C105-404D-A43B-7CBA1B97B744}" type="datetimeFigureOut">
               <a:rPr lang="ru-RU" smtClean="0"/>
-              <a:t>11.01.2021</a:t>
+              <a:t>07.02.2021</a:t>
             </a:fld>
             <a:endParaRPr lang="ru-RU" dirty="0"/>
           </a:p>
@@ -2212,7 +2212,7 @@
           <a:p>
             <a:fld id="{9F4DF3D0-C105-404D-A43B-7CBA1B97B744}" type="datetimeFigureOut">
               <a:rPr lang="ru-RU" smtClean="0"/>
-              <a:t>11.01.2021</a:t>
+              <a:t>07.02.2021</a:t>
             </a:fld>
             <a:endParaRPr lang="ru-RU" dirty="0"/>
           </a:p>
@@ -2579,7 +2579,7 @@
           <a:p>
             <a:fld id="{9F4DF3D0-C105-404D-A43B-7CBA1B97B744}" type="datetimeFigureOut">
               <a:rPr lang="ru-RU" smtClean="0"/>
-              <a:t>11.01.2021</a:t>
+              <a:t>07.02.2021</a:t>
             </a:fld>
             <a:endParaRPr lang="ru-RU" dirty="0"/>
           </a:p>
@@ -2697,7 +2697,7 @@
           <a:p>
             <a:fld id="{9F4DF3D0-C105-404D-A43B-7CBA1B97B744}" type="datetimeFigureOut">
               <a:rPr lang="ru-RU" smtClean="0"/>
-              <a:t>11.01.2021</a:t>
+              <a:t>07.02.2021</a:t>
             </a:fld>
             <a:endParaRPr lang="ru-RU" dirty="0"/>
           </a:p>
@@ -2792,7 +2792,7 @@
           <a:p>
             <a:fld id="{9F4DF3D0-C105-404D-A43B-7CBA1B97B744}" type="datetimeFigureOut">
               <a:rPr lang="ru-RU" smtClean="0"/>
-              <a:t>11.01.2021</a:t>
+              <a:t>07.02.2021</a:t>
             </a:fld>
             <a:endParaRPr lang="ru-RU" dirty="0"/>
           </a:p>
@@ -3069,7 +3069,7 @@
           <a:p>
             <a:fld id="{9F4DF3D0-C105-404D-A43B-7CBA1B97B744}" type="datetimeFigureOut">
               <a:rPr lang="ru-RU" smtClean="0"/>
-              <a:t>11.01.2021</a:t>
+              <a:t>07.02.2021</a:t>
             </a:fld>
             <a:endParaRPr lang="ru-RU" dirty="0"/>
           </a:p>
@@ -3322,7 +3322,7 @@
           <a:p>
             <a:fld id="{9F4DF3D0-C105-404D-A43B-7CBA1B97B744}" type="datetimeFigureOut">
               <a:rPr lang="ru-RU" smtClean="0"/>
-              <a:t>11.01.2021</a:t>
+              <a:t>07.02.2021</a:t>
             </a:fld>
             <a:endParaRPr lang="ru-RU" dirty="0"/>
           </a:p>
@@ -3535,7 +3535,7 @@
           <a:p>
             <a:fld id="{9F4DF3D0-C105-404D-A43B-7CBA1B97B744}" type="datetimeFigureOut">
               <a:rPr lang="ru-RU" smtClean="0"/>
-              <a:t>11.01.2021</a:t>
+              <a:t>07.02.2021</a:t>
             </a:fld>
             <a:endParaRPr lang="ru-RU" dirty="0"/>
           </a:p>
@@ -4807,13 +4807,7 @@
               <a:rPr lang="ru-RU" altLang="ru-RU" dirty="0" smtClean="0">
                 <a:latin typeface="Calibri" panose="020F0502020204030204" pitchFamily="34" charset="0"/>
               </a:rPr>
-              <a:t>Внутренние </a:t>
-            </a:r>
-            <a:r>
-              <a:rPr lang="ru-RU" altLang="ru-RU" dirty="0" smtClean="0">
-                <a:latin typeface="Calibri" panose="020F0502020204030204" pitchFamily="34" charset="0"/>
-              </a:rPr>
-              <a:t>узлы </a:t>
+              <a:t>Внутренние узлы </a:t>
             </a:r>
             <a:r>
               <a:rPr lang="ru-RU" altLang="ru-RU" dirty="0">
@@ -11438,11 +11432,7 @@
           <a:p>
             <a:r>
               <a:rPr lang="ru-RU" dirty="0" smtClean="0"/>
-              <a:t>Описание </a:t>
-            </a:r>
-            <a:r>
-              <a:rPr lang="ru-RU" dirty="0" smtClean="0"/>
-              <a:t>метода</a:t>
+              <a:t>Описание метода</a:t>
             </a:r>
           </a:p>
           <a:p>
@@ -15638,8 +15628,8 @@
           </a:p>
         </p:txBody>
       </p:sp>
-      <mc:AlternateContent xmlns:mc="http://schemas.openxmlformats.org/markup-compatibility/2006">
-        <mc:Choice xmlns:a14="http://schemas.microsoft.com/office/drawing/2010/main" Requires="a14">
+      <mc:AlternateContent xmlns:mc="http://schemas.openxmlformats.org/markup-compatibility/2006" xmlns:a14="http://schemas.microsoft.com/office/drawing/2010/main">
+        <mc:Choice Requires="a14">
           <p:sp>
             <p:nvSpPr>
               <p:cNvPr id="3" name="Объект 2"/>
@@ -16548,7 +16538,7 @@
             </p:txBody>
           </p:sp>
         </mc:Choice>
-        <mc:Fallback>
+        <mc:Fallback xmlns="">
           <p:sp>
             <p:nvSpPr>
               <p:cNvPr id="3" name="Объект 2"/>
@@ -16742,13 +16732,7 @@
               <a:rPr lang="ru-RU" altLang="ru-RU" dirty="0" smtClean="0">
                 <a:latin typeface="Calibri" panose="020F0502020204030204" pitchFamily="34" charset="0"/>
               </a:rPr>
-              <a:t>1</a:t>
-            </a:r>
-            <a:r>
-              <a:rPr lang="ru-RU" altLang="ru-RU" dirty="0" smtClean="0">
-                <a:latin typeface="Calibri" panose="020F0502020204030204" pitchFamily="34" charset="0"/>
-              </a:rPr>
-              <a:t>. Помещаем весь набор данных в первый узел.</a:t>
+              <a:t>1. Помещаем весь набор данных в первый узел.</a:t>
             </a:r>
           </a:p>
           <a:p>
@@ -16784,53 +16768,8 @@
               <a:rPr lang="ru-RU" altLang="ru-RU" dirty="0" smtClean="0">
                 <a:latin typeface="Calibri" panose="020F0502020204030204" pitchFamily="34" charset="0"/>
               </a:rPr>
-              <a:t>2. Для каждого узла вычисляем </a:t>
-            </a:r>
-            <a:r>
-              <a:rPr lang="ru-RU" altLang="ru-RU" dirty="0" smtClean="0">
-                <a:latin typeface="Calibri" panose="020F0502020204030204" pitchFamily="34" charset="0"/>
-              </a:rPr>
-              <a:t>значение некоторого параметра и</a:t>
-            </a:r>
-            <a:r>
-              <a:rPr lang="ru-RU" altLang="ru-RU" dirty="0" smtClean="0">
-                <a:latin typeface="Calibri" panose="020F0502020204030204" pitchFamily="34" charset="0"/>
-              </a:rPr>
-              <a:t>, если </a:t>
-            </a:r>
-            <a:r>
-              <a:rPr lang="ru-RU" altLang="ru-RU" dirty="0" smtClean="0">
-                <a:latin typeface="Calibri" panose="020F0502020204030204" pitchFamily="34" charset="0"/>
-              </a:rPr>
-              <a:t>оно </a:t>
-            </a:r>
-            <a:r>
-              <a:rPr lang="ru-RU" altLang="ru-RU" dirty="0" smtClean="0">
-                <a:latin typeface="Calibri" panose="020F0502020204030204" pitchFamily="34" charset="0"/>
-              </a:rPr>
-              <a:t>не </a:t>
-            </a:r>
-            <a:r>
-              <a:rPr lang="ru-RU" altLang="ru-RU" dirty="0" smtClean="0">
-                <a:latin typeface="Calibri" panose="020F0502020204030204" pitchFamily="34" charset="0"/>
-              </a:rPr>
-              <a:t>равно </a:t>
-            </a:r>
-            <a:r>
-              <a:rPr lang="ru-RU" altLang="ru-RU" dirty="0" smtClean="0">
-                <a:latin typeface="Calibri" panose="020F0502020204030204" pitchFamily="34" charset="0"/>
-              </a:rPr>
-              <a:t>нулю, то ищем такое разбиение данных в узле, которое максимизирует среднее уменьшение </a:t>
-            </a:r>
-            <a:r>
-              <a:rPr lang="ru-RU" altLang="ru-RU" dirty="0" smtClean="0">
-                <a:latin typeface="Calibri" panose="020F0502020204030204" pitchFamily="34" charset="0"/>
-              </a:rPr>
-              <a:t>этого значения.</a:t>
-            </a:r>
-            <a:endParaRPr lang="ru-RU" altLang="ru-RU" dirty="0" smtClean="0">
-              <a:latin typeface="Calibri" panose="020F0502020204030204" pitchFamily="34" charset="0"/>
-            </a:endParaRPr>
+              <a:t>2. Для каждого узла вычисляем значение некоторого параметра и, если оно не равно нулю, то ищем такое разбиение данных в узле, которое максимизирует среднее уменьшение этого значения.</a:t>
+            </a:r>
           </a:p>
           <a:p>
             <a:pPr marL="0" indent="0">
@@ -16865,13 +16804,7 @@
               <a:rPr lang="ru-RU" altLang="ru-RU" dirty="0" smtClean="0">
                 <a:latin typeface="Calibri" panose="020F0502020204030204" pitchFamily="34" charset="0"/>
               </a:rPr>
-              <a:t>3. Найденное разбиение сохраняем как правило в узле, а разбитые данные помещаем в два новых дочерних узла</a:t>
-            </a:r>
-            <a:r>
-              <a:rPr lang="ru-RU" altLang="ru-RU" dirty="0" smtClean="0">
-                <a:latin typeface="Calibri" panose="020F0502020204030204" pitchFamily="34" charset="0"/>
-              </a:rPr>
-              <a:t>.</a:t>
+              <a:t>3. Найденное разбиение сохраняем как правило в узле, а разбитые данные помещаем в два новых дочерних узла.</a:t>
             </a:r>
           </a:p>
           <a:p>
@@ -18642,13 +18575,7 @@
               <a:rPr lang="ru-RU" altLang="ru-RU" dirty="0" smtClean="0">
                 <a:latin typeface="Calibri" panose="020F0502020204030204" pitchFamily="34" charset="0"/>
               </a:rPr>
-              <a:t>Применим только в случае, когда все параметры категориальные</a:t>
-            </a:r>
-            <a:r>
-              <a:rPr lang="ru-RU" altLang="ru-RU" dirty="0" smtClean="0">
-                <a:latin typeface="Calibri" panose="020F0502020204030204" pitchFamily="34" charset="0"/>
-              </a:rPr>
-              <a:t>.</a:t>
+              <a:t>Применим только в случае, когда все параметры категориальные.</a:t>
             </a:r>
           </a:p>
           <a:p>
@@ -19211,13 +19138,7 @@
               <a:rPr lang="ru-RU" altLang="ru-RU" dirty="0" smtClean="0">
                 <a:latin typeface="Calibri" panose="020F0502020204030204" pitchFamily="34" charset="0"/>
               </a:rPr>
-              <a:t>Алгоритм строит бинарные (двоичные) деревья, используя параметр и порог значения, которые дают наибольший прирост информации для каждого узла</a:t>
-            </a:r>
-            <a:r>
-              <a:rPr lang="ru-RU" altLang="ru-RU" dirty="0" smtClean="0">
-                <a:latin typeface="Calibri" panose="020F0502020204030204" pitchFamily="34" charset="0"/>
-              </a:rPr>
-              <a:t>.</a:t>
+              <a:t>Алгоритм строит бинарные (двоичные) деревья, используя параметр и порог значения, которые дают наибольший прирост информации для каждого узла.</a:t>
             </a:r>
           </a:p>
           <a:p>
@@ -23847,7 +23768,6 @@
               <a:rPr lang="ru-RU" dirty="0"/>
               <a:t>.</a:t>
             </a:r>
-            <a:endParaRPr lang="ru-RU" dirty="0"/>
           </a:p>
         </p:txBody>
       </p:sp>
